--- a/journalWallFriction/pictures/pdf/shortestpath.pptx
+++ b/journalWallFriction/pictures/pdf/shortestpath.pptx
@@ -104,6 +104,11 @@
       </a:defRPr>
     </a:lvl9pPr>
   </p:defaultTextStyle>
+  <p:extLst>
+    <p:ext uri="{EFAFB233-063F-42B5-8137-9DF3F51BA10A}">
+      <p15:sldGuideLst xmlns:p15="http://schemas.microsoft.com/office/powerpoint/2012/main"/>
+    </p:ext>
+  </p:extLst>
 </p:presentation>
 </file>
 
@@ -238,7 +243,7 @@
           <a:p>
             <a:fld id="{28A75220-A5EA-AE4B-B1F9-01B01CAA06B3}" type="datetimeFigureOut">
               <a:rPr lang="en-US" smtClean="0"/>
-              <a:t>5/1/18</a:t>
+              <a:t>5/7/18</a:t>
             </a:fld>
             <a:endParaRPr lang="en-US"/>
           </a:p>
@@ -408,7 +413,7 @@
           <a:p>
             <a:fld id="{28A75220-A5EA-AE4B-B1F9-01B01CAA06B3}" type="datetimeFigureOut">
               <a:rPr lang="en-US" smtClean="0"/>
-              <a:t>5/1/18</a:t>
+              <a:t>5/7/18</a:t>
             </a:fld>
             <a:endParaRPr lang="en-US"/>
           </a:p>
@@ -588,7 +593,7 @@
           <a:p>
             <a:fld id="{28A75220-A5EA-AE4B-B1F9-01B01CAA06B3}" type="datetimeFigureOut">
               <a:rPr lang="en-US" smtClean="0"/>
-              <a:t>5/1/18</a:t>
+              <a:t>5/7/18</a:t>
             </a:fld>
             <a:endParaRPr lang="en-US"/>
           </a:p>
@@ -758,7 +763,7 @@
           <a:p>
             <a:fld id="{28A75220-A5EA-AE4B-B1F9-01B01CAA06B3}" type="datetimeFigureOut">
               <a:rPr lang="en-US" smtClean="0"/>
-              <a:t>5/1/18</a:t>
+              <a:t>5/7/18</a:t>
             </a:fld>
             <a:endParaRPr lang="en-US"/>
           </a:p>
@@ -1004,7 +1009,7 @@
           <a:p>
             <a:fld id="{28A75220-A5EA-AE4B-B1F9-01B01CAA06B3}" type="datetimeFigureOut">
               <a:rPr lang="en-US" smtClean="0"/>
-              <a:t>5/1/18</a:t>
+              <a:t>5/7/18</a:t>
             </a:fld>
             <a:endParaRPr lang="en-US"/>
           </a:p>
@@ -1236,7 +1241,7 @@
           <a:p>
             <a:fld id="{28A75220-A5EA-AE4B-B1F9-01B01CAA06B3}" type="datetimeFigureOut">
               <a:rPr lang="en-US" smtClean="0"/>
-              <a:t>5/1/18</a:t>
+              <a:t>5/7/18</a:t>
             </a:fld>
             <a:endParaRPr lang="en-US"/>
           </a:p>
@@ -1603,7 +1608,7 @@
           <a:p>
             <a:fld id="{28A75220-A5EA-AE4B-B1F9-01B01CAA06B3}" type="datetimeFigureOut">
               <a:rPr lang="en-US" smtClean="0"/>
-              <a:t>5/1/18</a:t>
+              <a:t>5/7/18</a:t>
             </a:fld>
             <a:endParaRPr lang="en-US"/>
           </a:p>
@@ -1721,7 +1726,7 @@
           <a:p>
             <a:fld id="{28A75220-A5EA-AE4B-B1F9-01B01CAA06B3}" type="datetimeFigureOut">
               <a:rPr lang="en-US" smtClean="0"/>
-              <a:t>5/1/18</a:t>
+              <a:t>5/7/18</a:t>
             </a:fld>
             <a:endParaRPr lang="en-US"/>
           </a:p>
@@ -1816,7 +1821,7 @@
           <a:p>
             <a:fld id="{28A75220-A5EA-AE4B-B1F9-01B01CAA06B3}" type="datetimeFigureOut">
               <a:rPr lang="en-US" smtClean="0"/>
-              <a:t>5/1/18</a:t>
+              <a:t>5/7/18</a:t>
             </a:fld>
             <a:endParaRPr lang="en-US"/>
           </a:p>
@@ -2093,7 +2098,7 @@
           <a:p>
             <a:fld id="{28A75220-A5EA-AE4B-B1F9-01B01CAA06B3}" type="datetimeFigureOut">
               <a:rPr lang="en-US" smtClean="0"/>
-              <a:t>5/1/18</a:t>
+              <a:t>5/7/18</a:t>
             </a:fld>
             <a:endParaRPr lang="en-US"/>
           </a:p>
@@ -2350,7 +2355,7 @@
           <a:p>
             <a:fld id="{28A75220-A5EA-AE4B-B1F9-01B01CAA06B3}" type="datetimeFigureOut">
               <a:rPr lang="en-US" smtClean="0"/>
-              <a:t>5/1/18</a:t>
+              <a:t>5/7/18</a:t>
             </a:fld>
             <a:endParaRPr lang="en-US"/>
           </a:p>
@@ -2563,7 +2568,7 @@
           <a:p>
             <a:fld id="{28A75220-A5EA-AE4B-B1F9-01B01CAA06B3}" type="datetimeFigureOut">
               <a:rPr lang="en-US" smtClean="0"/>
-              <a:t>5/1/18</a:t>
+              <a:t>5/7/18</a:t>
             </a:fld>
             <a:endParaRPr lang="en-US"/>
           </a:p>
@@ -3012,8 +3017,8 @@
         </p:nvSpPr>
         <p:spPr>
           <a:xfrm>
-            <a:off x="8248456" y="103697"/>
-            <a:ext cx="1857080" cy="395924"/>
+            <a:off x="7814822" y="84843"/>
+            <a:ext cx="2884601" cy="395924"/>
           </a:xfrm>
           <a:prstGeom prst="rect">
             <a:avLst/>
@@ -3047,13 +3052,987 @@
           <a:p>
             <a:pPr algn="ctr"/>
             <a:r>
-              <a:rPr lang="en-US" sz="2000" dirty="0">
+              <a:rPr lang="en-US" sz="3000" dirty="0">
                 <a:solidFill>
                   <a:schemeClr val="tx1"/>
                 </a:solidFill>
                 <a:latin typeface="Times" pitchFamily="2" charset="0"/>
               </a:rPr>
               <a:t>total path length </a:t>
+            </a:r>
+          </a:p>
+        </p:txBody>
+      </p:sp>
+      <mc:AlternateContent xmlns:mc="http://schemas.openxmlformats.org/markup-compatibility/2006">
+        <mc:Choice xmlns:a14="http://schemas.microsoft.com/office/drawing/2010/main" Requires="a14">
+          <p:sp>
+            <p:nvSpPr>
+              <p:cNvPr id="2" name="Rectangle 1">
+                <a:extLst>
+                  <a:ext uri="{FF2B5EF4-FFF2-40B4-BE49-F238E27FC236}">
+                    <a16:creationId xmlns:a16="http://schemas.microsoft.com/office/drawing/2014/main" id="{CFF80BE0-B84A-7943-BD11-99A5C3AD3FF7}"/>
+                  </a:ext>
+                </a:extLst>
+              </p:cNvPr>
+              <p:cNvSpPr/>
+              <p:nvPr/>
+            </p:nvSpPr>
+            <p:spPr>
+              <a:xfrm>
+                <a:off x="3139126" y="3450210"/>
+                <a:ext cx="292231" cy="273378"/>
+              </a:xfrm>
+              <a:prstGeom prst="rect">
+                <a:avLst/>
+              </a:prstGeom>
+              <a:solidFill>
+                <a:schemeClr val="bg1"/>
+              </a:solidFill>
+              <a:ln>
+                <a:noFill/>
+              </a:ln>
+            </p:spPr>
+            <p:style>
+              <a:lnRef idx="2">
+                <a:schemeClr val="accent1">
+                  <a:shade val="50000"/>
+                </a:schemeClr>
+              </a:lnRef>
+              <a:fillRef idx="1">
+                <a:schemeClr val="accent1"/>
+              </a:fillRef>
+              <a:effectRef idx="0">
+                <a:schemeClr val="accent1"/>
+              </a:effectRef>
+              <a:fontRef idx="minor">
+                <a:schemeClr val="lt1"/>
+              </a:fontRef>
+            </p:style>
+            <p:txBody>
+              <a:bodyPr rtlCol="0" anchor="ctr"/>
+              <a:lstStyle/>
+              <a:p>
+                <a:pPr algn="ctr"/>
+                <a14:m>
+                  <m:oMathPara xmlns:m="http://schemas.openxmlformats.org/officeDocument/2006/math">
+                    <m:oMathParaPr>
+                      <m:jc m:val="centerGroup"/>
+                    </m:oMathParaPr>
+                    <m:oMath xmlns:m="http://schemas.openxmlformats.org/officeDocument/2006/math">
+                      <m:r>
+                        <a:rPr lang="en-US" sz="3000" i="1" smtClean="0">
+                          <a:solidFill>
+                            <a:srgbClr val="FF0000"/>
+                          </a:solidFill>
+                          <a:latin typeface="Cambria Math" panose="02040503050406030204" pitchFamily="18" charset="0"/>
+                          <a:ea typeface="Cambria Math" panose="02040503050406030204" pitchFamily="18" charset="0"/>
+                        </a:rPr>
+                        <m:t>𝛽</m:t>
+                      </m:r>
+                    </m:oMath>
+                  </m:oMathPara>
+                </a14:m>
+                <a:endParaRPr lang="en-US" sz="3000" dirty="0">
+                  <a:solidFill>
+                    <a:srgbClr val="FF0000"/>
+                  </a:solidFill>
+                </a:endParaRPr>
+              </a:p>
+            </p:txBody>
+          </p:sp>
+        </mc:Choice>
+        <mc:Fallback>
+          <p:sp>
+            <p:nvSpPr>
+              <p:cNvPr id="2" name="Rectangle 1">
+                <a:extLst>
+                  <a:ext uri="{FF2B5EF4-FFF2-40B4-BE49-F238E27FC236}">
+                    <a16:creationId xmlns:a16="http://schemas.microsoft.com/office/drawing/2014/main" id="{CFF80BE0-B84A-7943-BD11-99A5C3AD3FF7}"/>
+                  </a:ext>
+                </a:extLst>
+              </p:cNvPr>
+              <p:cNvSpPr>
+                <a:spLocks noRot="1" noChangeAspect="1" noMove="1" noResize="1" noEditPoints="1" noAdjustHandles="1" noChangeArrowheads="1" noChangeShapeType="1" noTextEdit="1"/>
+              </p:cNvSpPr>
+              <p:nvPr/>
+            </p:nvSpPr>
+            <p:spPr>
+              <a:xfrm>
+                <a:off x="3139126" y="3450210"/>
+                <a:ext cx="292231" cy="273378"/>
+              </a:xfrm>
+              <a:prstGeom prst="rect">
+                <a:avLst/>
+              </a:prstGeom>
+              <a:blipFill>
+                <a:blip r:embed="rId3"/>
+                <a:stretch>
+                  <a:fillRect l="-62500" t="-31818" r="-29167" b="-86364"/>
+                </a:stretch>
+              </a:blipFill>
+              <a:ln>
+                <a:noFill/>
+              </a:ln>
+            </p:spPr>
+            <p:txBody>
+              <a:bodyPr/>
+              <a:lstStyle/>
+              <a:p>
+                <a:r>
+                  <a:rPr lang="en-US">
+                    <a:noFill/>
+                  </a:rPr>
+                  <a:t> </a:t>
+                </a:r>
+              </a:p>
+            </p:txBody>
+          </p:sp>
+        </mc:Fallback>
+      </mc:AlternateContent>
+      <mc:AlternateContent xmlns:mc="http://schemas.openxmlformats.org/markup-compatibility/2006">
+        <mc:Choice xmlns:a14="http://schemas.microsoft.com/office/drawing/2010/main" Requires="a14">
+          <p:sp>
+            <p:nvSpPr>
+              <p:cNvPr id="3" name="Rectangle 2">
+                <a:extLst>
+                  <a:ext uri="{FF2B5EF4-FFF2-40B4-BE49-F238E27FC236}">
+                    <a16:creationId xmlns:a16="http://schemas.microsoft.com/office/drawing/2014/main" id="{C8DA8811-9C34-8E4F-9B2E-E735A8A1CFB8}"/>
+                  </a:ext>
+                </a:extLst>
+              </p:cNvPr>
+              <p:cNvSpPr/>
+              <p:nvPr/>
+            </p:nvSpPr>
+            <p:spPr>
+              <a:xfrm>
+                <a:off x="3384222" y="3996965"/>
+                <a:ext cx="433633" cy="235670"/>
+              </a:xfrm>
+              <a:prstGeom prst="rect">
+                <a:avLst/>
+              </a:prstGeom>
+              <a:solidFill>
+                <a:schemeClr val="bg1"/>
+              </a:solidFill>
+              <a:ln>
+                <a:noFill/>
+              </a:ln>
+            </p:spPr>
+            <p:style>
+              <a:lnRef idx="2">
+                <a:schemeClr val="accent1">
+                  <a:shade val="50000"/>
+                </a:schemeClr>
+              </a:lnRef>
+              <a:fillRef idx="1">
+                <a:schemeClr val="accent1"/>
+              </a:fillRef>
+              <a:effectRef idx="0">
+                <a:schemeClr val="accent1"/>
+              </a:effectRef>
+              <a:fontRef idx="minor">
+                <a:schemeClr val="lt1"/>
+              </a:fontRef>
+            </p:style>
+            <p:txBody>
+              <a:bodyPr rtlCol="0" anchor="ctr"/>
+              <a:lstStyle/>
+              <a:p>
+                <a:pPr algn="ctr"/>
+                <a14:m>
+                  <m:oMathPara xmlns:m="http://schemas.openxmlformats.org/officeDocument/2006/math">
+                    <m:oMathParaPr>
+                      <m:jc m:val="centerGroup"/>
+                    </m:oMathParaPr>
+                    <m:oMath xmlns:m="http://schemas.openxmlformats.org/officeDocument/2006/math">
+                      <m:sSup>
+                        <m:sSupPr>
+                          <m:ctrlPr>
+                            <a:rPr lang="en-US" sz="3000" i="1" smtClean="0">
+                              <a:solidFill>
+                                <a:schemeClr val="accent1">
+                                  <a:lumMod val="75000"/>
+                                </a:schemeClr>
+                              </a:solidFill>
+                              <a:latin typeface="Cambria Math" panose="02040503050406030204" pitchFamily="18" charset="0"/>
+                            </a:rPr>
+                          </m:ctrlPr>
+                        </m:sSupPr>
+                        <m:e>
+                          <m:r>
+                            <a:rPr lang="en-US" sz="3000" i="1" smtClean="0">
+                              <a:solidFill>
+                                <a:schemeClr val="accent1">
+                                  <a:lumMod val="75000"/>
+                                </a:schemeClr>
+                              </a:solidFill>
+                              <a:latin typeface="Cambria Math" panose="02040503050406030204" pitchFamily="18" charset="0"/>
+                              <a:ea typeface="Cambria Math" panose="02040503050406030204" pitchFamily="18" charset="0"/>
+                            </a:rPr>
+                            <m:t>𝜃</m:t>
+                          </m:r>
+                        </m:e>
+                        <m:sup>
+                          <m:r>
+                            <a:rPr lang="en-US" sz="3000" b="0" i="1" smtClean="0">
+                              <a:solidFill>
+                                <a:schemeClr val="accent1">
+                                  <a:lumMod val="75000"/>
+                                </a:schemeClr>
+                              </a:solidFill>
+                              <a:latin typeface="Cambria Math" panose="02040503050406030204" pitchFamily="18" charset="0"/>
+                            </a:rPr>
+                            <m:t>∗</m:t>
+                          </m:r>
+                        </m:sup>
+                      </m:sSup>
+                    </m:oMath>
+                  </m:oMathPara>
+                </a14:m>
+                <a:endParaRPr lang="en-US" sz="3000" dirty="0">
+                  <a:solidFill>
+                    <a:schemeClr val="accent1">
+                      <a:lumMod val="75000"/>
+                    </a:schemeClr>
+                  </a:solidFill>
+                </a:endParaRPr>
+              </a:p>
+            </p:txBody>
+          </p:sp>
+        </mc:Choice>
+        <mc:Fallback>
+          <p:sp>
+            <p:nvSpPr>
+              <p:cNvPr id="3" name="Rectangle 2">
+                <a:extLst>
+                  <a:ext uri="{FF2B5EF4-FFF2-40B4-BE49-F238E27FC236}">
+                    <a16:creationId xmlns:a16="http://schemas.microsoft.com/office/drawing/2014/main" id="{C8DA8811-9C34-8E4F-9B2E-E735A8A1CFB8}"/>
+                  </a:ext>
+                </a:extLst>
+              </p:cNvPr>
+              <p:cNvSpPr>
+                <a:spLocks noRot="1" noChangeAspect="1" noMove="1" noResize="1" noEditPoints="1" noAdjustHandles="1" noChangeArrowheads="1" noChangeShapeType="1" noTextEdit="1"/>
+              </p:cNvSpPr>
+              <p:nvPr/>
+            </p:nvSpPr>
+            <p:spPr>
+              <a:xfrm>
+                <a:off x="3384222" y="3996965"/>
+                <a:ext cx="433633" cy="235670"/>
+              </a:xfrm>
+              <a:prstGeom prst="rect">
+                <a:avLst/>
+              </a:prstGeom>
+              <a:blipFill>
+                <a:blip r:embed="rId4"/>
+                <a:stretch>
+                  <a:fillRect l="-30556" t="-36842" b="-57895"/>
+                </a:stretch>
+              </a:blipFill>
+              <a:ln>
+                <a:noFill/>
+              </a:ln>
+            </p:spPr>
+            <p:txBody>
+              <a:bodyPr/>
+              <a:lstStyle/>
+              <a:p>
+                <a:r>
+                  <a:rPr lang="en-US">
+                    <a:noFill/>
+                  </a:rPr>
+                  <a:t> </a:t>
+                </a:r>
+              </a:p>
+            </p:txBody>
+          </p:sp>
+        </mc:Fallback>
+      </mc:AlternateContent>
+      <mc:AlternateContent xmlns:mc="http://schemas.openxmlformats.org/markup-compatibility/2006">
+        <mc:Choice xmlns:a14="http://schemas.microsoft.com/office/drawing/2010/main" Requires="a14">
+          <p:sp>
+            <p:nvSpPr>
+              <p:cNvPr id="6" name="Rectangle 5">
+                <a:extLst>
+                  <a:ext uri="{FF2B5EF4-FFF2-40B4-BE49-F238E27FC236}">
+                    <a16:creationId xmlns:a16="http://schemas.microsoft.com/office/drawing/2014/main" id="{4974FD79-1F9B-1A4F-B0BD-432999D0D8E2}"/>
+                  </a:ext>
+                </a:extLst>
+              </p:cNvPr>
+              <p:cNvSpPr/>
+              <p:nvPr/>
+            </p:nvSpPr>
+            <p:spPr>
+              <a:xfrm>
+                <a:off x="7467600" y="780852"/>
+                <a:ext cx="433633" cy="235670"/>
+              </a:xfrm>
+              <a:prstGeom prst="rect">
+                <a:avLst/>
+              </a:prstGeom>
+              <a:solidFill>
+                <a:schemeClr val="bg1"/>
+              </a:solidFill>
+              <a:ln>
+                <a:noFill/>
+              </a:ln>
+            </p:spPr>
+            <p:style>
+              <a:lnRef idx="2">
+                <a:schemeClr val="accent1">
+                  <a:shade val="50000"/>
+                </a:schemeClr>
+              </a:lnRef>
+              <a:fillRef idx="1">
+                <a:schemeClr val="accent1"/>
+              </a:fillRef>
+              <a:effectRef idx="0">
+                <a:schemeClr val="accent1"/>
+              </a:effectRef>
+              <a:fontRef idx="minor">
+                <a:schemeClr val="lt1"/>
+              </a:fontRef>
+            </p:style>
+            <p:txBody>
+              <a:bodyPr rtlCol="0" anchor="ctr"/>
+              <a:lstStyle/>
+              <a:p>
+                <a:pPr algn="ctr"/>
+                <a14:m>
+                  <m:oMathPara xmlns:m="http://schemas.openxmlformats.org/officeDocument/2006/math">
+                    <m:oMathParaPr>
+                      <m:jc m:val="centerGroup"/>
+                    </m:oMathParaPr>
+                    <m:oMath xmlns:m="http://schemas.openxmlformats.org/officeDocument/2006/math">
+                      <m:sSup>
+                        <m:sSupPr>
+                          <m:ctrlPr>
+                            <a:rPr lang="en-US" sz="3000" i="1" smtClean="0">
+                              <a:solidFill>
+                                <a:schemeClr val="accent1">
+                                  <a:lumMod val="75000"/>
+                                </a:schemeClr>
+                              </a:solidFill>
+                              <a:latin typeface="Cambria Math" panose="02040503050406030204" pitchFamily="18" charset="0"/>
+                            </a:rPr>
+                          </m:ctrlPr>
+                        </m:sSupPr>
+                        <m:e>
+                          <m:r>
+                            <a:rPr lang="en-US" sz="3000" i="1" smtClean="0">
+                              <a:solidFill>
+                                <a:schemeClr val="accent1">
+                                  <a:lumMod val="75000"/>
+                                </a:schemeClr>
+                              </a:solidFill>
+                              <a:latin typeface="Cambria Math" panose="02040503050406030204" pitchFamily="18" charset="0"/>
+                              <a:ea typeface="Cambria Math" panose="02040503050406030204" pitchFamily="18" charset="0"/>
+                            </a:rPr>
+                            <m:t>𝜃</m:t>
+                          </m:r>
+                        </m:e>
+                        <m:sup>
+                          <m:r>
+                            <a:rPr lang="en-US" sz="3000" b="0" i="1" smtClean="0">
+                              <a:solidFill>
+                                <a:schemeClr val="accent1">
+                                  <a:lumMod val="75000"/>
+                                </a:schemeClr>
+                              </a:solidFill>
+                              <a:latin typeface="Cambria Math" panose="02040503050406030204" pitchFamily="18" charset="0"/>
+                            </a:rPr>
+                            <m:t>∗</m:t>
+                          </m:r>
+                        </m:sup>
+                      </m:sSup>
+                    </m:oMath>
+                  </m:oMathPara>
+                </a14:m>
+                <a:endParaRPr lang="en-US" sz="3000" dirty="0">
+                  <a:solidFill>
+                    <a:schemeClr val="accent1">
+                      <a:lumMod val="75000"/>
+                    </a:schemeClr>
+                  </a:solidFill>
+                </a:endParaRPr>
+              </a:p>
+            </p:txBody>
+          </p:sp>
+        </mc:Choice>
+        <mc:Fallback>
+          <p:sp>
+            <p:nvSpPr>
+              <p:cNvPr id="6" name="Rectangle 5">
+                <a:extLst>
+                  <a:ext uri="{FF2B5EF4-FFF2-40B4-BE49-F238E27FC236}">
+                    <a16:creationId xmlns:a16="http://schemas.microsoft.com/office/drawing/2014/main" id="{4974FD79-1F9B-1A4F-B0BD-432999D0D8E2}"/>
+                  </a:ext>
+                </a:extLst>
+              </p:cNvPr>
+              <p:cNvSpPr>
+                <a:spLocks noRot="1" noChangeAspect="1" noMove="1" noResize="1" noEditPoints="1" noAdjustHandles="1" noChangeArrowheads="1" noChangeShapeType="1" noTextEdit="1"/>
+              </p:cNvSpPr>
+              <p:nvPr/>
+            </p:nvSpPr>
+            <p:spPr>
+              <a:xfrm>
+                <a:off x="7467600" y="780852"/>
+                <a:ext cx="433633" cy="235670"/>
+              </a:xfrm>
+              <a:prstGeom prst="rect">
+                <a:avLst/>
+              </a:prstGeom>
+              <a:blipFill>
+                <a:blip r:embed="rId5"/>
+                <a:stretch>
+                  <a:fillRect l="-35294" t="-30000" b="-55000"/>
+                </a:stretch>
+              </a:blipFill>
+              <a:ln>
+                <a:noFill/>
+              </a:ln>
+            </p:spPr>
+            <p:txBody>
+              <a:bodyPr/>
+              <a:lstStyle/>
+              <a:p>
+                <a:r>
+                  <a:rPr lang="en-US">
+                    <a:noFill/>
+                  </a:rPr>
+                  <a:t> </a:t>
+                </a:r>
+              </a:p>
+            </p:txBody>
+          </p:sp>
+        </mc:Fallback>
+      </mc:AlternateContent>
+      <mc:AlternateContent xmlns:mc="http://schemas.openxmlformats.org/markup-compatibility/2006">
+        <mc:Choice xmlns:a14="http://schemas.microsoft.com/office/drawing/2010/main" Requires="a14">
+          <p:sp>
+            <p:nvSpPr>
+              <p:cNvPr id="7" name="Rectangle 6">
+                <a:extLst>
+                  <a:ext uri="{FF2B5EF4-FFF2-40B4-BE49-F238E27FC236}">
+                    <a16:creationId xmlns:a16="http://schemas.microsoft.com/office/drawing/2014/main" id="{E4EA1979-84D5-D943-A4A4-05B72A45603E}"/>
+                  </a:ext>
+                </a:extLst>
+              </p:cNvPr>
+              <p:cNvSpPr/>
+              <p:nvPr/>
+            </p:nvSpPr>
+            <p:spPr>
+              <a:xfrm>
+                <a:off x="7175369" y="959960"/>
+                <a:ext cx="292231" cy="273378"/>
+              </a:xfrm>
+              <a:prstGeom prst="rect">
+                <a:avLst/>
+              </a:prstGeom>
+              <a:solidFill>
+                <a:schemeClr val="bg1"/>
+              </a:solidFill>
+              <a:ln>
+                <a:noFill/>
+              </a:ln>
+            </p:spPr>
+            <p:style>
+              <a:lnRef idx="2">
+                <a:schemeClr val="accent1">
+                  <a:shade val="50000"/>
+                </a:schemeClr>
+              </a:lnRef>
+              <a:fillRef idx="1">
+                <a:schemeClr val="accent1"/>
+              </a:fillRef>
+              <a:effectRef idx="0">
+                <a:schemeClr val="accent1"/>
+              </a:effectRef>
+              <a:fontRef idx="minor">
+                <a:schemeClr val="lt1"/>
+              </a:fontRef>
+            </p:style>
+            <p:txBody>
+              <a:bodyPr rtlCol="0" anchor="ctr"/>
+              <a:lstStyle/>
+              <a:p>
+                <a:pPr algn="ctr"/>
+                <a14:m>
+                  <m:oMathPara xmlns:m="http://schemas.openxmlformats.org/officeDocument/2006/math">
+                    <m:oMathParaPr>
+                      <m:jc m:val="centerGroup"/>
+                    </m:oMathParaPr>
+                    <m:oMath xmlns:m="http://schemas.openxmlformats.org/officeDocument/2006/math">
+                      <m:r>
+                        <a:rPr lang="en-US" sz="3000" i="1" smtClean="0">
+                          <a:solidFill>
+                            <a:srgbClr val="FF0000"/>
+                          </a:solidFill>
+                          <a:latin typeface="Cambria Math" panose="02040503050406030204" pitchFamily="18" charset="0"/>
+                          <a:ea typeface="Cambria Math" panose="02040503050406030204" pitchFamily="18" charset="0"/>
+                        </a:rPr>
+                        <m:t>𝛽</m:t>
+                      </m:r>
+                    </m:oMath>
+                  </m:oMathPara>
+                </a14:m>
+                <a:endParaRPr lang="en-US" sz="3000" dirty="0">
+                  <a:solidFill>
+                    <a:srgbClr val="FF0000"/>
+                  </a:solidFill>
+                </a:endParaRPr>
+              </a:p>
+            </p:txBody>
+          </p:sp>
+        </mc:Choice>
+        <mc:Fallback>
+          <p:sp>
+            <p:nvSpPr>
+              <p:cNvPr id="7" name="Rectangle 6">
+                <a:extLst>
+                  <a:ext uri="{FF2B5EF4-FFF2-40B4-BE49-F238E27FC236}">
+                    <a16:creationId xmlns:a16="http://schemas.microsoft.com/office/drawing/2014/main" id="{E4EA1979-84D5-D943-A4A4-05B72A45603E}"/>
+                  </a:ext>
+                </a:extLst>
+              </p:cNvPr>
+              <p:cNvSpPr>
+                <a:spLocks noRot="1" noChangeAspect="1" noMove="1" noResize="1" noEditPoints="1" noAdjustHandles="1" noChangeArrowheads="1" noChangeShapeType="1" noTextEdit="1"/>
+              </p:cNvSpPr>
+              <p:nvPr/>
+            </p:nvSpPr>
+            <p:spPr>
+              <a:xfrm>
+                <a:off x="7175369" y="959960"/>
+                <a:ext cx="292231" cy="273378"/>
+              </a:xfrm>
+              <a:prstGeom prst="rect">
+                <a:avLst/>
+              </a:prstGeom>
+              <a:blipFill>
+                <a:blip r:embed="rId6"/>
+                <a:stretch>
+                  <a:fillRect l="-58333" t="-31818" r="-29167" b="-86364"/>
+                </a:stretch>
+              </a:blipFill>
+              <a:ln>
+                <a:noFill/>
+              </a:ln>
+            </p:spPr>
+            <p:txBody>
+              <a:bodyPr/>
+              <a:lstStyle/>
+              <a:p>
+                <a:r>
+                  <a:rPr lang="en-US">
+                    <a:noFill/>
+                  </a:rPr>
+                  <a:t> </a:t>
+                </a:r>
+              </a:p>
+            </p:txBody>
+          </p:sp>
+        </mc:Fallback>
+      </mc:AlternateContent>
+      <mc:AlternateContent xmlns:mc="http://schemas.openxmlformats.org/markup-compatibility/2006">
+        <mc:Choice xmlns:a14="http://schemas.microsoft.com/office/drawing/2010/main" Requires="a14">
+          <p:sp>
+            <p:nvSpPr>
+              <p:cNvPr id="4" name="Oval 3">
+                <a:extLst>
+                  <a:ext uri="{FF2B5EF4-FFF2-40B4-BE49-F238E27FC236}">
+                    <a16:creationId xmlns:a16="http://schemas.microsoft.com/office/drawing/2014/main" id="{333CE269-33E9-9044-A9B0-0AD11AE53044}"/>
+                  </a:ext>
+                </a:extLst>
+              </p:cNvPr>
+              <p:cNvSpPr/>
+              <p:nvPr/>
+            </p:nvSpPr>
+            <p:spPr>
+              <a:xfrm>
+                <a:off x="1885360" y="5099900"/>
+                <a:ext cx="245099" cy="339365"/>
+              </a:xfrm>
+              <a:prstGeom prst="ellipse">
+                <a:avLst/>
+              </a:prstGeom>
+              <a:solidFill>
+                <a:schemeClr val="bg1"/>
+              </a:solidFill>
+              <a:ln>
+                <a:noFill/>
+              </a:ln>
+            </p:spPr>
+            <p:style>
+              <a:lnRef idx="2">
+                <a:schemeClr val="accent1">
+                  <a:shade val="50000"/>
+                </a:schemeClr>
+              </a:lnRef>
+              <a:fillRef idx="1">
+                <a:schemeClr val="accent1"/>
+              </a:fillRef>
+              <a:effectRef idx="0">
+                <a:schemeClr val="accent1"/>
+              </a:effectRef>
+              <a:fontRef idx="minor">
+                <a:schemeClr val="lt1"/>
+              </a:fontRef>
+            </p:style>
+            <p:txBody>
+              <a:bodyPr rtlCol="0" anchor="ctr"/>
+              <a:lstStyle/>
+              <a:p>
+                <a:pPr algn="ctr"/>
+                <a14:m>
+                  <m:oMathPara xmlns:m="http://schemas.openxmlformats.org/officeDocument/2006/math">
+                    <m:oMathParaPr>
+                      <m:jc m:val="centerGroup"/>
+                    </m:oMathParaPr>
+                    <m:oMath xmlns:m="http://schemas.openxmlformats.org/officeDocument/2006/math">
+                      <m:r>
+                        <a:rPr lang="en-US" sz="3000" i="1" smtClean="0">
+                          <a:solidFill>
+                            <a:schemeClr val="tx1"/>
+                          </a:solidFill>
+                          <a:latin typeface="Cambria Math" panose="02040503050406030204" pitchFamily="18" charset="0"/>
+                          <a:ea typeface="Cambria Math" panose="02040503050406030204" pitchFamily="18" charset="0"/>
+                        </a:rPr>
+                        <m:t>𝛼</m:t>
+                      </m:r>
+                    </m:oMath>
+                  </m:oMathPara>
+                </a14:m>
+                <a:endParaRPr lang="en-US" sz="3000" dirty="0">
+                  <a:solidFill>
+                    <a:schemeClr val="tx1"/>
+                  </a:solidFill>
+                </a:endParaRPr>
+              </a:p>
+            </p:txBody>
+          </p:sp>
+        </mc:Choice>
+        <mc:Fallback>
+          <p:sp>
+            <p:nvSpPr>
+              <p:cNvPr id="4" name="Oval 3">
+                <a:extLst>
+                  <a:ext uri="{FF2B5EF4-FFF2-40B4-BE49-F238E27FC236}">
+                    <a16:creationId xmlns:a16="http://schemas.microsoft.com/office/drawing/2014/main" id="{333CE269-33E9-9044-A9B0-0AD11AE53044}"/>
+                  </a:ext>
+                </a:extLst>
+              </p:cNvPr>
+              <p:cNvSpPr>
+                <a:spLocks noRot="1" noChangeAspect="1" noMove="1" noResize="1" noEditPoints="1" noAdjustHandles="1" noChangeArrowheads="1" noChangeShapeType="1" noTextEdit="1"/>
+              </p:cNvSpPr>
+              <p:nvPr/>
+            </p:nvSpPr>
+            <p:spPr>
+              <a:xfrm>
+                <a:off x="1885360" y="5099900"/>
+                <a:ext cx="245099" cy="339365"/>
+              </a:xfrm>
+              <a:prstGeom prst="ellipse">
+                <a:avLst/>
+              </a:prstGeom>
+              <a:blipFill>
+                <a:blip r:embed="rId7"/>
+                <a:stretch>
+                  <a:fillRect l="-42857" r="-9524" b="-14815"/>
+                </a:stretch>
+              </a:blipFill>
+              <a:ln>
+                <a:noFill/>
+              </a:ln>
+            </p:spPr>
+            <p:txBody>
+              <a:bodyPr/>
+              <a:lstStyle/>
+              <a:p>
+                <a:r>
+                  <a:rPr lang="en-US">
+                    <a:noFill/>
+                  </a:rPr>
+                  <a:t> </a:t>
+                </a:r>
+              </a:p>
+            </p:txBody>
+          </p:sp>
+        </mc:Fallback>
+      </mc:AlternateContent>
+      <mc:AlternateContent xmlns:mc="http://schemas.openxmlformats.org/markup-compatibility/2006">
+        <mc:Choice xmlns:a14="http://schemas.microsoft.com/office/drawing/2010/main" Requires="a14">
+          <p:sp>
+            <p:nvSpPr>
+              <p:cNvPr id="10" name="Oval 9">
+                <a:extLst>
+                  <a:ext uri="{FF2B5EF4-FFF2-40B4-BE49-F238E27FC236}">
+                    <a16:creationId xmlns:a16="http://schemas.microsoft.com/office/drawing/2014/main" id="{4BBA8147-AA91-584F-8062-9D8C8996BF24}"/>
+                  </a:ext>
+                </a:extLst>
+              </p:cNvPr>
+              <p:cNvSpPr/>
+              <p:nvPr/>
+            </p:nvSpPr>
+            <p:spPr>
+              <a:xfrm>
+                <a:off x="2103749" y="5224019"/>
+                <a:ext cx="245099" cy="339365"/>
+              </a:xfrm>
+              <a:prstGeom prst="ellipse">
+                <a:avLst/>
+              </a:prstGeom>
+              <a:solidFill>
+                <a:schemeClr val="bg1"/>
+              </a:solidFill>
+              <a:ln>
+                <a:noFill/>
+              </a:ln>
+            </p:spPr>
+            <p:style>
+              <a:lnRef idx="2">
+                <a:schemeClr val="accent1">
+                  <a:shade val="50000"/>
+                </a:schemeClr>
+              </a:lnRef>
+              <a:fillRef idx="1">
+                <a:schemeClr val="accent1"/>
+              </a:fillRef>
+              <a:effectRef idx="0">
+                <a:schemeClr val="accent1"/>
+              </a:effectRef>
+              <a:fontRef idx="minor">
+                <a:schemeClr val="lt1"/>
+              </a:fontRef>
+            </p:style>
+            <p:txBody>
+              <a:bodyPr rtlCol="0" anchor="ctr"/>
+              <a:lstStyle/>
+              <a:p>
+                <a:pPr algn="ctr"/>
+                <a14:m>
+                  <m:oMathPara xmlns:m="http://schemas.openxmlformats.org/officeDocument/2006/math">
+                    <m:oMathParaPr>
+                      <m:jc m:val="centerGroup"/>
+                    </m:oMathParaPr>
+                    <m:oMath xmlns:m="http://schemas.openxmlformats.org/officeDocument/2006/math">
+                      <m:r>
+                        <a:rPr lang="en-US" sz="3000" i="1" smtClean="0">
+                          <a:solidFill>
+                            <a:schemeClr val="tx1"/>
+                          </a:solidFill>
+                          <a:latin typeface="Cambria Math" panose="02040503050406030204" pitchFamily="18" charset="0"/>
+                          <a:ea typeface="Cambria Math" panose="02040503050406030204" pitchFamily="18" charset="0"/>
+                        </a:rPr>
+                        <m:t>𝛼</m:t>
+                      </m:r>
+                    </m:oMath>
+                  </m:oMathPara>
+                </a14:m>
+                <a:endParaRPr lang="en-US" sz="3000" dirty="0">
+                  <a:solidFill>
+                    <a:schemeClr val="tx1"/>
+                  </a:solidFill>
+                </a:endParaRPr>
+              </a:p>
+            </p:txBody>
+          </p:sp>
+        </mc:Choice>
+        <mc:Fallback>
+          <p:sp>
+            <p:nvSpPr>
+              <p:cNvPr id="10" name="Oval 9">
+                <a:extLst>
+                  <a:ext uri="{FF2B5EF4-FFF2-40B4-BE49-F238E27FC236}">
+                    <a16:creationId xmlns:a16="http://schemas.microsoft.com/office/drawing/2014/main" id="{4BBA8147-AA91-584F-8062-9D8C8996BF24}"/>
+                  </a:ext>
+                </a:extLst>
+              </p:cNvPr>
+              <p:cNvSpPr>
+                <a:spLocks noRot="1" noChangeAspect="1" noMove="1" noResize="1" noEditPoints="1" noAdjustHandles="1" noChangeArrowheads="1" noChangeShapeType="1" noTextEdit="1"/>
+              </p:cNvSpPr>
+              <p:nvPr/>
+            </p:nvSpPr>
+            <p:spPr>
+              <a:xfrm>
+                <a:off x="2103749" y="5224019"/>
+                <a:ext cx="245099" cy="339365"/>
+              </a:xfrm>
+              <a:prstGeom prst="ellipse">
+                <a:avLst/>
+              </a:prstGeom>
+              <a:blipFill>
+                <a:blip r:embed="rId8"/>
+                <a:stretch>
+                  <a:fillRect l="-50000" r="-10000" b="-14286"/>
+                </a:stretch>
+              </a:blipFill>
+              <a:ln>
+                <a:noFill/>
+              </a:ln>
+            </p:spPr>
+            <p:txBody>
+              <a:bodyPr/>
+              <a:lstStyle/>
+              <a:p>
+                <a:r>
+                  <a:rPr lang="en-US">
+                    <a:noFill/>
+                  </a:rPr>
+                  <a:t> </a:t>
+                </a:r>
+              </a:p>
+            </p:txBody>
+          </p:sp>
+        </mc:Fallback>
+      </mc:AlternateContent>
+      <p:sp>
+        <p:nvSpPr>
+          <p:cNvPr id="5" name="Rectangle 4">
+            <a:extLst>
+              <a:ext uri="{FF2B5EF4-FFF2-40B4-BE49-F238E27FC236}">
+                <a16:creationId xmlns:a16="http://schemas.microsoft.com/office/drawing/2014/main" id="{A39D297D-2C85-164B-82B4-DF4141A2B2FF}"/>
+              </a:ext>
+            </a:extLst>
+          </p:cNvPr>
+          <p:cNvSpPr/>
+          <p:nvPr/>
+        </p:nvSpPr>
+        <p:spPr>
+          <a:xfrm>
+            <a:off x="4326906" y="2941165"/>
+            <a:ext cx="358218" cy="386499"/>
+          </a:xfrm>
+          <a:prstGeom prst="rect">
+            <a:avLst/>
+          </a:prstGeom>
+          <a:solidFill>
+            <a:schemeClr val="bg1"/>
+          </a:solidFill>
+          <a:ln>
+            <a:noFill/>
+          </a:ln>
+        </p:spPr>
+        <p:style>
+          <a:lnRef idx="2">
+            <a:schemeClr val="accent1">
+              <a:shade val="50000"/>
+            </a:schemeClr>
+          </a:lnRef>
+          <a:fillRef idx="1">
+            <a:schemeClr val="accent1"/>
+          </a:fillRef>
+          <a:effectRef idx="0">
+            <a:schemeClr val="accent1"/>
+          </a:effectRef>
+          <a:fontRef idx="minor">
+            <a:schemeClr val="lt1"/>
+          </a:fontRef>
+        </p:style>
+        <p:txBody>
+          <a:bodyPr rtlCol="0" anchor="ctr"/>
+          <a:lstStyle/>
+          <a:p>
+            <a:pPr algn="ctr"/>
+            <a:r>
+              <a:rPr lang="en-US" sz="3000" dirty="0">
+                <a:solidFill>
+                  <a:srgbClr val="00B050"/>
+                </a:solidFill>
+                <a:latin typeface="Times" pitchFamily="2" charset="0"/>
+              </a:rPr>
+              <a:t>S</a:t>
+            </a:r>
+          </a:p>
+        </p:txBody>
+      </p:sp>
+      <p:sp>
+        <p:nvSpPr>
+          <p:cNvPr id="11" name="Triangle 10">
+            <a:extLst>
+              <a:ext uri="{FF2B5EF4-FFF2-40B4-BE49-F238E27FC236}">
+                <a16:creationId xmlns:a16="http://schemas.microsoft.com/office/drawing/2014/main" id="{FE093C8A-6481-4947-BDDA-FA6B8CFD3BB6}"/>
+              </a:ext>
+            </a:extLst>
+          </p:cNvPr>
+          <p:cNvSpPr/>
+          <p:nvPr/>
+        </p:nvSpPr>
+        <p:spPr>
+          <a:xfrm rot="19153357">
+            <a:off x="1918696" y="3956011"/>
+            <a:ext cx="191813" cy="177644"/>
+          </a:xfrm>
+          <a:prstGeom prst="triangle">
+            <a:avLst/>
+          </a:prstGeom>
+          <a:solidFill>
+            <a:schemeClr val="bg1"/>
+          </a:solidFill>
+          <a:ln>
+            <a:noFill/>
+          </a:ln>
+        </p:spPr>
+        <p:style>
+          <a:lnRef idx="2">
+            <a:schemeClr val="accent1">
+              <a:shade val="50000"/>
+            </a:schemeClr>
+          </a:lnRef>
+          <a:fillRef idx="1">
+            <a:schemeClr val="accent1"/>
+          </a:fillRef>
+          <a:effectRef idx="0">
+            <a:schemeClr val="accent1"/>
+          </a:effectRef>
+          <a:fontRef idx="minor">
+            <a:schemeClr val="lt1"/>
+          </a:fontRef>
+        </p:style>
+        <p:txBody>
+          <a:bodyPr rtlCol="0" anchor="ctr"/>
+          <a:lstStyle/>
+          <a:p>
+            <a:pPr algn="ctr"/>
+            <a:endParaRPr lang="en-US"/>
+          </a:p>
+        </p:txBody>
+      </p:sp>
+      <p:sp>
+        <p:nvSpPr>
+          <p:cNvPr id="13" name="TextBox 12">
+            <a:extLst>
+              <a:ext uri="{FF2B5EF4-FFF2-40B4-BE49-F238E27FC236}">
+                <a16:creationId xmlns:a16="http://schemas.microsoft.com/office/drawing/2014/main" id="{4698774F-C4E3-C443-B43F-9DCDC82AACA5}"/>
+              </a:ext>
+            </a:extLst>
+          </p:cNvPr>
+          <p:cNvSpPr txBox="1"/>
+          <p:nvPr/>
+        </p:nvSpPr>
+        <p:spPr>
+          <a:xfrm>
+            <a:off x="1298167" y="4006392"/>
+            <a:ext cx="549489" cy="553998"/>
+          </a:xfrm>
+          <a:prstGeom prst="rect">
+            <a:avLst/>
+          </a:prstGeom>
+          <a:noFill/>
+        </p:spPr>
+        <p:txBody>
+          <a:bodyPr wrap="square" rtlCol="0">
+            <a:spAutoFit/>
+          </a:bodyPr>
+          <a:lstStyle/>
+          <a:p>
+            <a:r>
+              <a:rPr lang="en-US" sz="3000" dirty="0">
+                <a:solidFill>
+                  <a:srgbClr val="FF0000"/>
+                </a:solidFill>
+                <a:latin typeface="Times" pitchFamily="2" charset="0"/>
+              </a:rPr>
+              <a:t>E</a:t>
             </a:r>
           </a:p>
         </p:txBody>
